--- a/DBCP/Курсовая по БД/PREZ.pptx
+++ b/DBCP/Курсовая по БД/PREZ.pptx
@@ -8318,7 +8318,7 @@
         </p:spPr>
         <p:txBody>
           <a:bodyPr spcFirstLastPara="1" wrap="square" lIns="91425" tIns="91425" rIns="91425" bIns="91425" anchor="t" anchorCtr="0">
-            <a:normAutofit fontScale="92500" lnSpcReduction="10000"/>
+            <a:normAutofit lnSpcReduction="10000"/>
           </a:bodyPr>
           <a:lstStyle/>
           <a:p>
@@ -8357,7 +8357,7 @@
                 <a:cs typeface="Times New Roman"/>
                 <a:sym typeface="Times New Roman"/>
               </a:rPr>
-              <a:t> – разработка базы данных для просмотра информации о времени прохождения игр. </a:t>
+              <a:t> – Разработать статический веб-сервер для отдачи контента с диска.</a:t>
             </a:r>
           </a:p>
           <a:p>
@@ -8663,7 +8663,7 @@
               <a:rPr lang="ru"/>
               <a:t>2</a:t>
             </a:fld>
-            <a:endParaRPr/>
+            <a:endParaRPr dirty="0"/>
           </a:p>
         </p:txBody>
       </p:sp>
@@ -8822,7 +8822,7 @@
               <a:rPr lang="ru"/>
               <a:t>3</a:t>
             </a:fld>
-            <a:endParaRPr/>
+            <a:endParaRPr dirty="0"/>
           </a:p>
         </p:txBody>
       </p:sp>
